--- a/week3/final_db_design.pptx
+++ b/week3/final_db_design.pptx
@@ -5,10 +5,10 @@
     <p:sldMasterId id="2147483840" r:id="rId1"/>
   </p:sldMasterIdLst>
   <p:notesMasterIdLst>
-    <p:notesMasterId r:id="rId19"/>
+    <p:notesMasterId r:id="rId20"/>
   </p:notesMasterIdLst>
   <p:handoutMasterIdLst>
-    <p:handoutMasterId r:id="rId20"/>
+    <p:handoutMasterId r:id="rId21"/>
   </p:handoutMasterIdLst>
   <p:sldIdLst>
     <p:sldId id="256" r:id="rId2"/>
@@ -27,7 +27,8 @@
     <p:sldId id="279" r:id="rId15"/>
     <p:sldId id="280" r:id="rId16"/>
     <p:sldId id="281" r:id="rId17"/>
-    <p:sldId id="278" r:id="rId18"/>
+    <p:sldId id="282" r:id="rId18"/>
+    <p:sldId id="278" r:id="rId19"/>
   </p:sldIdLst>
   <p:sldSz cx="12192000" cy="6858000"/>
   <p:notesSz cx="6858000" cy="9144000"/>
@@ -230,7 +231,7 @@
           <a:p>
             <a:fld id="{DE71268B-8AC2-4239-8FAF-7C144C210720}" type="datetimeFigureOut">
               <a:rPr lang="en-US"/>
-              <a:t>5/20/2022</a:t>
+              <a:t>5/29/2022</a:t>
             </a:fld>
             <a:endParaRPr/>
           </a:p>
@@ -395,7 +396,7 @@
           <a:p>
             <a:fld id="{F5AD8362-6D63-40AC-BAA9-90C3AE6D5875}" type="datetimeFigureOut">
               <a:rPr lang="en-US"/>
-              <a:t>5/20/2022</a:t>
+              <a:t>5/29/2022</a:t>
             </a:fld>
             <a:endParaRPr/>
           </a:p>
@@ -1202,7 +1203,7 @@
           <a:p>
             <a:fld id="{5F4E5243-F52A-4D37-9694-EB26C6C31910}" type="datetime1">
               <a:rPr lang="en-US"/>
-              <a:t>5/20/2022</a:t>
+              <a:t>5/29/2022</a:t>
             </a:fld>
             <a:endParaRPr/>
           </a:p>
@@ -1398,7 +1399,7 @@
           <a:p>
             <a:fld id="{3A77B6E1-634A-48DC-9E8B-D894023267EF}" type="datetime1">
               <a:rPr lang="en-US"/>
-              <a:t>5/20/2022</a:t>
+              <a:t>5/29/2022</a:t>
             </a:fld>
             <a:endParaRPr/>
           </a:p>
@@ -1588,7 +1589,7 @@
           <a:p>
             <a:fld id="{7B2D3E9E-A95C-48F2-B4BF-A71542E0BE9A}" type="datetime1">
               <a:rPr lang="en-US"/>
-              <a:t>5/20/2022</a:t>
+              <a:t>5/29/2022</a:t>
             </a:fld>
             <a:endParaRPr/>
           </a:p>
@@ -1919,7 +1920,7 @@
           <a:p>
             <a:fld id="{A50F84E2-2D7A-43CF-AC90-352A289A783A}" type="datetime1">
               <a:rPr lang="en-US"/>
-              <a:t>5/20/2022</a:t>
+              <a:t>5/29/2022</a:t>
             </a:fld>
             <a:endParaRPr/>
           </a:p>
@@ -2227,7 +2228,7 @@
           <a:p>
             <a:fld id="{F12952B5-7A2F-4CC8-B7CE-9234E21C2837}" type="datetime1">
               <a:rPr lang="en-US"/>
-              <a:t>5/20/2022</a:t>
+              <a:t>5/29/2022</a:t>
             </a:fld>
             <a:endParaRPr/>
           </a:p>
@@ -2675,7 +2676,7 @@
           <a:p>
             <a:fld id="{CE1DA07A-9201-4B4B-BAF2-015AFA30F520}" type="datetime1">
               <a:rPr lang="en-US"/>
-              <a:t>5/20/2022</a:t>
+              <a:t>5/29/2022</a:t>
             </a:fld>
             <a:endParaRPr/>
           </a:p>
@@ -2809,7 +2810,7 @@
           <a:p>
             <a:fld id="{73D7E00A-486F-4252-8B1D-E32645521F49}" type="datetime1">
               <a:rPr lang="en-US"/>
-              <a:t>5/20/2022</a:t>
+              <a:t>5/29/2022</a:t>
             </a:fld>
             <a:endParaRPr/>
           </a:p>
@@ -2982,7 +2983,7 @@
           <a:p>
             <a:fld id="{8DDF5F92-E675-4B36-9A60-69A962A68675}" type="datetime1">
               <a:rPr lang="en-US"/>
-              <a:t>5/20/2022</a:t>
+              <a:t>5/29/2022</a:t>
             </a:fld>
             <a:endParaRPr/>
           </a:p>
@@ -3287,7 +3288,7 @@
           <a:p>
             <a:fld id="{AF6E2C9B-5FA2-460D-9BE7-B0812FC2A6FF}" type="datetime1">
               <a:rPr lang="en-US"/>
-              <a:t>5/20/2022</a:t>
+              <a:t>5/29/2022</a:t>
             </a:fld>
             <a:endParaRPr/>
           </a:p>
@@ -3577,7 +3578,7 @@
           <a:p>
             <a:fld id="{1D374940-A916-4C8B-9648-02A2D3898F9E}" type="datetime1">
               <a:rPr lang="en-US"/>
-              <a:t>5/20/2022</a:t>
+              <a:t>5/29/2022</a:t>
             </a:fld>
             <a:endParaRPr/>
           </a:p>
@@ -4024,7 +4025,7 @@
             <a:fld id="{5586B75A-687E-405C-8A0B-8D00578BA2C3}" type="datetime1">
               <a:rPr lang="en-US" smtClean="0"/>
               <a:pPr/>
-              <a:t>5/20/2022</a:t>
+              <a:t>5/29/2022</a:t>
             </a:fld>
             <a:endParaRPr lang="en-US"/>
           </a:p>
@@ -5049,13 +5050,13 @@
   <p:clrMapOvr>
     <a:masterClrMapping/>
   </p:clrMapOvr>
-  <mc:AlternateContent xmlns:mc="http://schemas.openxmlformats.org/markup-compatibility/2006">
-    <mc:Choice xmlns:p14="http://schemas.microsoft.com/office/powerpoint/2010/main" Requires="p14">
+  <mc:AlternateContent xmlns:mc="http://schemas.openxmlformats.org/markup-compatibility/2006" xmlns:p14="http://schemas.microsoft.com/office/powerpoint/2010/main">
+    <mc:Choice Requires="p14">
       <p:transition spd="med" p14:dur="700">
         <p:fade/>
       </p:transition>
     </mc:Choice>
-    <mc:Fallback>
+    <mc:Fallback xmlns="">
       <p:transition spd="med">
         <p:fade/>
       </p:transition>
@@ -5202,13 +5203,13 @@
   <p:clrMapOvr>
     <a:masterClrMapping/>
   </p:clrMapOvr>
-  <mc:AlternateContent xmlns:mc="http://schemas.openxmlformats.org/markup-compatibility/2006">
-    <mc:Choice xmlns:p14="http://schemas.microsoft.com/office/powerpoint/2010/main" Requires="p14">
+  <mc:AlternateContent xmlns:mc="http://schemas.openxmlformats.org/markup-compatibility/2006" xmlns:p14="http://schemas.microsoft.com/office/powerpoint/2010/main">
+    <mc:Choice Requires="p14">
       <p:transition spd="med" p14:dur="700">
         <p:fade/>
       </p:transition>
     </mc:Choice>
-    <mc:Fallback>
+    <mc:Fallback xmlns="">
       <p:transition spd="med">
         <p:fade/>
       </p:transition>
@@ -5635,15 +5636,7 @@
           <a:p>
             <a:r>
               <a:rPr lang="en-US" dirty="0"/>
-              <a:t>We added a field to both movie tables, success, which determine if </a:t>
-            </a:r>
-            <a:r>
-              <a:rPr lang="en-US" dirty="0" err="1"/>
-              <a:t>revenus</a:t>
-            </a:r>
-            <a:r>
-              <a:rPr lang="en-US" dirty="0"/>
-              <a:t> was higher than the calculated success level</a:t>
+              <a:t>We added a field to both movie tables, success, which determine if revenues was higher than the calculated success level</a:t>
             </a:r>
           </a:p>
           <a:p>
@@ -5689,6 +5682,160 @@
 </file>
 
 <file path=ppt/slides/slide17.xml><?xml version="1.0" encoding="utf-8"?>
+<p:sld xmlns:a="http://schemas.openxmlformats.org/drawingml/2006/main" xmlns:r="http://schemas.openxmlformats.org/officeDocument/2006/relationships" xmlns:p="http://schemas.openxmlformats.org/presentationml/2006/main">
+  <p:cSld>
+    <p:spTree>
+      <p:nvGrpSpPr>
+        <p:cNvPr id="1" name=""/>
+        <p:cNvGrpSpPr/>
+        <p:nvPr/>
+      </p:nvGrpSpPr>
+      <p:grpSpPr>
+        <a:xfrm>
+          <a:off x="0" y="0"/>
+          <a:ext cx="0" cy="0"/>
+          <a:chOff x="0" y="0"/>
+          <a:chExt cx="0" cy="0"/>
+        </a:xfrm>
+      </p:grpSpPr>
+      <p:sp>
+        <p:nvSpPr>
+          <p:cNvPr id="5" name="Title 4">
+            <a:extLst>
+              <a:ext uri="{FF2B5EF4-FFF2-40B4-BE49-F238E27FC236}">
+                <a16:creationId xmlns:a16="http://schemas.microsoft.com/office/drawing/2014/main" id="{43520F64-2FB5-4C44-B1D8-379587C6BF88}"/>
+              </a:ext>
+            </a:extLst>
+          </p:cNvPr>
+          <p:cNvSpPr>
+            <a:spLocks noGrp="1"/>
+          </p:cNvSpPr>
+          <p:nvPr>
+            <p:ph type="title"/>
+          </p:nvPr>
+        </p:nvSpPr>
+        <p:spPr/>
+        <p:txBody>
+          <a:bodyPr/>
+          <a:lstStyle/>
+          <a:p>
+            <a:r>
+              <a:rPr lang="en-US" dirty="0"/>
+              <a:t>Calculated fields</a:t>
+            </a:r>
+          </a:p>
+        </p:txBody>
+      </p:sp>
+      <p:sp>
+        <p:nvSpPr>
+          <p:cNvPr id="6" name="Content Placeholder 5">
+            <a:extLst>
+              <a:ext uri="{FF2B5EF4-FFF2-40B4-BE49-F238E27FC236}">
+                <a16:creationId xmlns:a16="http://schemas.microsoft.com/office/drawing/2014/main" id="{593BBE5D-822D-4E11-9EA2-6324158D6231}"/>
+              </a:ext>
+            </a:extLst>
+          </p:cNvPr>
+          <p:cNvSpPr>
+            <a:spLocks noGrp="1"/>
+          </p:cNvSpPr>
+          <p:nvPr>
+            <p:ph sz="half" idx="1"/>
+          </p:nvPr>
+        </p:nvSpPr>
+        <p:spPr>
+          <a:xfrm>
+            <a:off x="1341120" y="1572767"/>
+            <a:ext cx="9872312" cy="1772011"/>
+          </a:xfrm>
+        </p:spPr>
+        <p:txBody>
+          <a:bodyPr>
+            <a:normAutofit fontScale="92500" lnSpcReduction="10000"/>
+          </a:bodyPr>
+          <a:lstStyle/>
+          <a:p>
+            <a:r>
+              <a:rPr lang="en-US" dirty="0"/>
+              <a:t>To aid the analysis team, the ETL pipeline needed to add a field to calculate the total number of votes a movie got from </a:t>
+            </a:r>
+            <a:r>
+              <a:rPr lang="en-US" dirty="0" err="1"/>
+              <a:t>MovieLens</a:t>
+            </a:r>
+            <a:r>
+              <a:rPr lang="en-US" dirty="0"/>
+              <a:t> members</a:t>
+            </a:r>
+          </a:p>
+          <a:p>
+            <a:r>
+              <a:rPr lang="en-US" dirty="0"/>
+              <a:t>The next field we needed to add was a field for the total number of stars garnered by the movie</a:t>
+            </a:r>
+          </a:p>
+          <a:p>
+            <a:r>
+              <a:rPr lang="en-US" dirty="0"/>
+              <a:t>The final new field we calculated is field showing the average number of stars per vote</a:t>
+            </a:r>
+          </a:p>
+        </p:txBody>
+      </p:sp>
+      <p:pic>
+        <p:nvPicPr>
+          <p:cNvPr id="10" name="Content Placeholder 9" descr="Graphical user interface&#10;&#10;Description automatically generated with medium confidence">
+            <a:extLst>
+              <a:ext uri="{FF2B5EF4-FFF2-40B4-BE49-F238E27FC236}">
+                <a16:creationId xmlns:a16="http://schemas.microsoft.com/office/drawing/2014/main" id="{194B1598-05AE-4F5D-9839-3631896F51A9}"/>
+              </a:ext>
+            </a:extLst>
+          </p:cNvPr>
+          <p:cNvPicPr>
+            <a:picLocks noGrp="1" noChangeAspect="1"/>
+          </p:cNvPicPr>
+          <p:nvPr>
+            <p:ph sz="half" idx="2"/>
+          </p:nvPr>
+        </p:nvPicPr>
+        <p:blipFill>
+          <a:blip r:embed="rId2"/>
+          <a:stretch>
+            <a:fillRect/>
+          </a:stretch>
+        </p:blipFill>
+        <p:spPr>
+          <a:xfrm>
+            <a:off x="1341120" y="3513221"/>
+            <a:ext cx="9872312" cy="2387064"/>
+          </a:xfrm>
+        </p:spPr>
+      </p:pic>
+    </p:spTree>
+    <p:extLst>
+      <p:ext uri="{BB962C8B-B14F-4D97-AF65-F5344CB8AC3E}">
+        <p14:creationId xmlns:p14="http://schemas.microsoft.com/office/powerpoint/2010/main" val="1450535968"/>
+      </p:ext>
+    </p:extLst>
+  </p:cSld>
+  <p:clrMapOvr>
+    <a:masterClrMapping/>
+  </p:clrMapOvr>
+  <mc:AlternateContent xmlns:mc="http://schemas.openxmlformats.org/markup-compatibility/2006">
+    <mc:Choice xmlns:p14="http://schemas.microsoft.com/office/powerpoint/2010/main" Requires="p14">
+      <p:transition spd="med" p14:dur="700">
+        <p:fade/>
+      </p:transition>
+    </mc:Choice>
+    <mc:Fallback>
+      <p:transition spd="med">
+        <p:fade/>
+      </p:transition>
+    </mc:Fallback>
+  </mc:AlternateContent>
+</p:sld>
+</file>
+
+<file path=ppt/slides/slide18.xml><?xml version="1.0" encoding="utf-8"?>
 <p:sld xmlns:a="http://schemas.openxmlformats.org/drawingml/2006/main" xmlns:r="http://schemas.openxmlformats.org/officeDocument/2006/relationships" xmlns:p="http://schemas.openxmlformats.org/presentationml/2006/main">
   <p:cSld>
     <p:spTree>
@@ -6153,13 +6300,13 @@
   <p:clrMapOvr>
     <a:masterClrMapping/>
   </p:clrMapOvr>
-  <mc:AlternateContent xmlns:mc="http://schemas.openxmlformats.org/markup-compatibility/2006">
-    <mc:Choice xmlns:p14="http://schemas.microsoft.com/office/powerpoint/2010/main" Requires="p14">
+  <mc:AlternateContent xmlns:mc="http://schemas.openxmlformats.org/markup-compatibility/2006" xmlns:p14="http://schemas.microsoft.com/office/powerpoint/2010/main">
+    <mc:Choice Requires="p14">
       <p:transition spd="med" p14:dur="700">
         <p:fade/>
       </p:transition>
     </mc:Choice>
-    <mc:Fallback>
+    <mc:Fallback xmlns="">
       <p:transition spd="med">
         <p:fade/>
       </p:transition>
@@ -6395,13 +6542,13 @@
   <p:clrMapOvr>
     <a:masterClrMapping/>
   </p:clrMapOvr>
-  <mc:AlternateContent xmlns:mc="http://schemas.openxmlformats.org/markup-compatibility/2006">
-    <mc:Choice xmlns:p14="http://schemas.microsoft.com/office/powerpoint/2010/main" Requires="p14">
+  <mc:AlternateContent xmlns:mc="http://schemas.openxmlformats.org/markup-compatibility/2006" xmlns:p14="http://schemas.microsoft.com/office/powerpoint/2010/main">
+    <mc:Choice Requires="p14">
       <p:transition spd="med" p14:dur="700">
         <p:fade/>
       </p:transition>
     </mc:Choice>
-    <mc:Fallback>
+    <mc:Fallback xmlns="">
       <p:transition spd="med">
         <p:fade/>
       </p:transition>
